--- a/Final_Report/InFinalReportEinpflegen (Fuer Jan)/presentation_sample/jochen_slides.pptx
+++ b/Final_Report/InFinalReportEinpflegen (Fuer Jan)/presentation_sample/jochen_slides.pptx
@@ -4885,7 +4885,7 @@
         <p:spPr>
           <a:xfrm>
             <a:off x="574956" y="2239909"/>
-            <a:ext cx="4021319" cy="2169825"/>
+            <a:ext cx="4021319" cy="2616101"/>
           </a:xfrm>
           <a:prstGeom prst="rect">
             <a:avLst/>
@@ -4907,11 +4907,7 @@
             </a:pPr>
             <a:r>
               <a:rPr lang="de-DE" sz="2400" dirty="0" err="1" smtClean="0"/>
-              <a:t>Compatib</a:t>
-            </a:r>
-            <a:r>
-              <a:rPr lang="de-DE" sz="2400" dirty="0" err="1" smtClean="0"/>
-              <a:t>le</a:t>
+              <a:t>Compatible</a:t>
             </a:r>
             <a:r>
               <a:rPr lang="de-DE" sz="2400" dirty="0" smtClean="0"/>
@@ -4953,8 +4949,34 @@
             </a:r>
             <a:r>
               <a:rPr lang="de-DE" sz="2400" dirty="0" smtClean="0"/>
-              <a:t> 10ms</a:t>
-            </a:r>
+              <a:t> </a:t>
+            </a:r>
+            <a:r>
+              <a:rPr lang="de-DE" sz="2400" dirty="0" smtClean="0"/>
+              <a:t>10ms</a:t>
+            </a:r>
+          </a:p>
+          <a:p>
+            <a:pPr marL="342900" indent="-342900">
+              <a:spcAft>
+                <a:spcPts val="600"/>
+              </a:spcAft>
+              <a:buFont typeface="Symbol" panose="05050102010706020507" pitchFamily="18" charset="2"/>
+              <a:buChar char="-"/>
+            </a:pPr>
+            <a:r>
+              <a:rPr lang="de-DE" sz="2400" dirty="0" smtClean="0"/>
+              <a:t>16bit </a:t>
+            </a:r>
+            <a:r>
+              <a:rPr lang="de-DE" sz="2400" dirty="0" err="1" smtClean="0"/>
+              <a:t>output</a:t>
+            </a:r>
+            <a:r>
+              <a:rPr lang="de-DE" sz="2400" smtClean="0"/>
+              <a:t> resolution</a:t>
+            </a:r>
+            <a:endParaRPr lang="de-DE" sz="2400" dirty="0" smtClean="0"/>
           </a:p>
           <a:p>
             <a:pPr marL="342900" indent="-342900">
